--- a/Pretraining with dictionaries.pptx
+++ b/Pretraining with dictionaries.pptx
@@ -8,7 +8,8 @@
     <p:sldId id="256" r:id="rId3"/>
     <p:sldId id="258" r:id="rId4"/>
     <p:sldId id="260" r:id="rId5"/>
-    <p:sldId id="261" r:id="rId6"/>
+    <p:sldId id="262" r:id="rId6"/>
+    <p:sldId id="261" r:id="rId7"/>
   </p:sldIdLst>
   <p:sldSz cx="12192000" cy="6858000"/>
   <p:notesSz cx="7103745" cy="10234295"/>
@@ -2841,7 +2842,7 @@
         </p:blipFill>
         <p:spPr>
           <a:xfrm>
-            <a:off x="2368550" y="3996055"/>
+            <a:off x="2379980" y="3630930"/>
             <a:ext cx="3072765" cy="2725420"/>
           </a:xfrm>
           <a:prstGeom prst="rect">
@@ -2865,7 +2866,7 @@
         </p:blipFill>
         <p:spPr>
           <a:xfrm>
-            <a:off x="5645785" y="4364990"/>
+            <a:off x="5634355" y="3630930"/>
             <a:ext cx="4393565" cy="2150745"/>
           </a:xfrm>
           <a:prstGeom prst="rect">
@@ -3145,6 +3146,225 @@
 </file>
 
 <file path=ppt/slides/slide4.xml><?xml version="1.0" encoding="utf-8"?>
+<p:sld xmlns:a="http://schemas.openxmlformats.org/drawingml/2006/main" xmlns:r="http://schemas.openxmlformats.org/officeDocument/2006/relationships" xmlns:p="http://schemas.openxmlformats.org/presentationml/2006/main">
+  <p:cSld>
+    <p:spTree>
+      <p:nvGrpSpPr>
+        <p:cNvPr id="1" name=""/>
+        <p:cNvGrpSpPr/>
+        <p:nvPr/>
+      </p:nvGrpSpPr>
+      <p:grpSpPr/>
+      <p:sp>
+        <p:nvSpPr>
+          <p:cNvPr id="2" name="Title 1"/>
+          <p:cNvSpPr>
+            <a:spLocks noGrp="1"/>
+          </p:cNvSpPr>
+          <p:nvPr>
+            <p:ph type="title"/>
+          </p:nvPr>
+        </p:nvSpPr>
+        <p:spPr>
+          <a:xfrm>
+            <a:off x="838200" y="221615"/>
+            <a:ext cx="10515600" cy="1325563"/>
+          </a:xfrm>
+        </p:spPr>
+        <p:txBody>
+          <a:bodyPr/>
+          <a:p>
+            <a:r>
+              <a:rPr lang="en-US" altLang="zh-CN" sz="3200">
+                <a:sym typeface="+mn-ea"/>
+              </a:rPr>
+              <a:t>Pretraining Design ( a possible version )</a:t>
+            </a:r>
+            <a:endParaRPr lang="en-US" sz="3200"/>
+          </a:p>
+        </p:txBody>
+      </p:sp>
+      <p:sp>
+        <p:nvSpPr>
+          <p:cNvPr id="4" name="Slide Number Placeholder 3"/>
+          <p:cNvSpPr>
+            <a:spLocks noGrp="1"/>
+          </p:cNvSpPr>
+          <p:nvPr>
+            <p:ph type="sldNum" sz="quarter" idx="12"/>
+          </p:nvPr>
+        </p:nvSpPr>
+        <p:spPr>
+          <a:xfrm>
+            <a:off x="8610600" y="6356350"/>
+            <a:ext cx="2743200" cy="365125"/>
+          </a:xfrm>
+        </p:spPr>
+        <p:txBody>
+          <a:bodyPr/>
+          <a:p>
+            <a:fld id="{7D9BB5D0-35E4-459D-AEF3-FE4D7C45CC19}" type="slidenum">
+              <a:rPr lang="zh-CN" altLang="en-US" smtClean="0"/>
+            </a:fld>
+            <a:endParaRPr lang="zh-CN" altLang="en-US"/>
+          </a:p>
+        </p:txBody>
+      </p:sp>
+      <p:sp>
+        <p:nvSpPr>
+          <p:cNvPr id="7" name="Text Box 6"/>
+          <p:cNvSpPr txBox="1"/>
+          <p:nvPr/>
+        </p:nvSpPr>
+        <p:spPr>
+          <a:xfrm>
+            <a:off x="760730" y="1153795"/>
+            <a:ext cx="10593070" cy="5077460"/>
+          </a:xfrm>
+          <a:prstGeom prst="rect">
+            <a:avLst/>
+          </a:prstGeom>
+          <a:noFill/>
+        </p:spPr>
+        <p:txBody>
+          <a:bodyPr wrap="square" rtlCol="0">
+            <a:spAutoFit/>
+          </a:bodyPr>
+          <a:p>
+            <a:pPr marL="342900" indent="-342900" fontAlgn="auto">
+              <a:lnSpc>
+                <a:spcPct val="150000"/>
+              </a:lnSpc>
+              <a:buFont typeface="Arial" panose="020B0604020202090204" pitchFamily="34" charset="0"/>
+              <a:buChar char="•"/>
+            </a:pPr>
+            <a:r>
+              <a:rPr lang="en-US"/>
+              <a:t>A similar idea is ConceptNet, which integrate a common-sense Knowledge Graph to pretrained models using retrofitting method through encouraging word embeddings to be close to their original values as well as their neighbors in graph:</a:t>
+            </a:r>
+            <a:endParaRPr lang="en-US"/>
+          </a:p>
+          <a:p>
+            <a:pPr marL="342900" indent="-342900" fontAlgn="auto">
+              <a:lnSpc>
+                <a:spcPct val="150000"/>
+              </a:lnSpc>
+              <a:buFont typeface="Arial" panose="020B0604020202090204" pitchFamily="34" charset="0"/>
+              <a:buChar char="•"/>
+            </a:pPr>
+            <a:endParaRPr lang="en-US"/>
+          </a:p>
+          <a:p>
+            <a:pPr marL="342900" indent="-342900" fontAlgn="auto">
+              <a:lnSpc>
+                <a:spcPct val="150000"/>
+              </a:lnSpc>
+              <a:buFont typeface="Arial" panose="020B0604020202090204" pitchFamily="34" charset="0"/>
+              <a:buChar char="•"/>
+            </a:pPr>
+            <a:endParaRPr lang="en-US"/>
+          </a:p>
+          <a:p>
+            <a:pPr marL="342900" indent="-342900" fontAlgn="auto">
+              <a:lnSpc>
+                <a:spcPct val="150000"/>
+              </a:lnSpc>
+              <a:buFont typeface="Arial" panose="020B0604020202090204" pitchFamily="34" charset="0"/>
+              <a:buChar char="•"/>
+            </a:pPr>
+            <a:endParaRPr lang="en-US"/>
+          </a:p>
+          <a:p>
+            <a:pPr indent="0" fontAlgn="auto">
+              <a:lnSpc>
+                <a:spcPct val="150000"/>
+              </a:lnSpc>
+              <a:buFont typeface="Arial" panose="020B0604020202090204" pitchFamily="34" charset="0"/>
+              <a:buNone/>
+            </a:pPr>
+            <a:r>
+              <a:rPr lang="en-US"/>
+              <a:t>     While the motivation is different: pretraining with dicts aims at pretraining efficiency, and we assume the additional info incorporated in dicts can also be fully learned with MLM ( with lower efficiency ). And the computational cost for adding dicts is much smaller so that it can adapted to any pretraining model.</a:t>
+            </a:r>
+            <a:endParaRPr lang="en-US"/>
+          </a:p>
+          <a:p>
+            <a:pPr indent="0" fontAlgn="auto">
+              <a:lnSpc>
+                <a:spcPct val="150000"/>
+              </a:lnSpc>
+              <a:buNone/>
+            </a:pPr>
+            <a:endParaRPr lang="en-US"/>
+          </a:p>
+          <a:p>
+            <a:pPr indent="0" fontAlgn="auto">
+              <a:lnSpc>
+                <a:spcPct val="150000"/>
+              </a:lnSpc>
+              <a:buNone/>
+            </a:pPr>
+            <a:endParaRPr lang="en-US"/>
+          </a:p>
+        </p:txBody>
+      </p:sp>
+      <p:pic>
+        <p:nvPicPr>
+          <p:cNvPr id="3" name="Picture 2"/>
+          <p:cNvPicPr>
+            <a:picLocks noChangeAspect="1"/>
+          </p:cNvPicPr>
+          <p:nvPr/>
+        </p:nvPicPr>
+        <p:blipFill>
+          <a:blip r:embed="rId1"/>
+          <a:stretch>
+            <a:fillRect/>
+          </a:stretch>
+        </p:blipFill>
+        <p:spPr>
+          <a:xfrm>
+            <a:off x="4323715" y="4981575"/>
+            <a:ext cx="3176905" cy="1739900"/>
+          </a:xfrm>
+          <a:prstGeom prst="rect">
+            <a:avLst/>
+          </a:prstGeom>
+        </p:spPr>
+      </p:pic>
+      <p:pic>
+        <p:nvPicPr>
+          <p:cNvPr id="5" name="Picture 4"/>
+          <p:cNvPicPr>
+            <a:picLocks noChangeAspect="1"/>
+          </p:cNvPicPr>
+          <p:nvPr/>
+        </p:nvPicPr>
+        <p:blipFill>
+          <a:blip r:embed="rId2"/>
+          <a:stretch>
+            <a:fillRect/>
+          </a:stretch>
+        </p:blipFill>
+        <p:spPr>
+          <a:xfrm>
+            <a:off x="4373245" y="2559685"/>
+            <a:ext cx="3077845" cy="608965"/>
+          </a:xfrm>
+          <a:prstGeom prst="rect">
+            <a:avLst/>
+          </a:prstGeom>
+        </p:spPr>
+      </p:pic>
+    </p:spTree>
+  </p:cSld>
+  <p:clrMapOvr>
+    <a:masterClrMapping/>
+  </p:clrMapOvr>
+</p:sld>
+</file>
+
+<file path=ppt/slides/slide5.xml><?xml version="1.0" encoding="utf-8"?>
 <p:sld xmlns:a="http://schemas.openxmlformats.org/drawingml/2006/main" xmlns:r="http://schemas.openxmlformats.org/officeDocument/2006/relationships" xmlns:p="http://schemas.openxmlformats.org/presentationml/2006/main">
   <p:cSld>
     <p:spTree>

--- a/Pretraining with dictionaries.pptx
+++ b/Pretraining with dictionaries.pptx
@@ -7,9 +7,10 @@
   <p:sldIdLst>
     <p:sldId id="256" r:id="rId3"/>
     <p:sldId id="258" r:id="rId4"/>
-    <p:sldId id="260" r:id="rId5"/>
-    <p:sldId id="262" r:id="rId6"/>
-    <p:sldId id="261" r:id="rId7"/>
+    <p:sldId id="264" r:id="rId5"/>
+    <p:sldId id="260" r:id="rId6"/>
+    <p:sldId id="262" r:id="rId7"/>
+    <p:sldId id="261" r:id="rId8"/>
   </p:sldIdLst>
   <p:sldSz cx="12192000" cy="6858000"/>
   <p:notesSz cx="7103745" cy="10234295"/>
@@ -2912,6 +2913,190 @@
           <a:bodyPr/>
           <a:p>
             <a:r>
+              <a:rPr lang="en-US" sz="3200"/>
+              <a:t>Related Work</a:t>
+            </a:r>
+            <a:endParaRPr lang="en-US" sz="3200"/>
+          </a:p>
+        </p:txBody>
+      </p:sp>
+      <p:sp>
+        <p:nvSpPr>
+          <p:cNvPr id="4" name="Slide Number Placeholder 3"/>
+          <p:cNvSpPr>
+            <a:spLocks noGrp="1"/>
+          </p:cNvSpPr>
+          <p:nvPr>
+            <p:ph type="sldNum" sz="quarter" idx="12"/>
+          </p:nvPr>
+        </p:nvSpPr>
+        <p:spPr/>
+        <p:txBody>
+          <a:bodyPr/>
+          <a:p>
+            <a:fld id="{7D9BB5D0-35E4-459D-AEF3-FE4D7C45CC19}" type="slidenum">
+              <a:rPr lang="zh-CN" altLang="en-US" smtClean="0"/>
+            </a:fld>
+            <a:endParaRPr lang="zh-CN" altLang="en-US"/>
+          </a:p>
+        </p:txBody>
+      </p:sp>
+      <p:sp>
+        <p:nvSpPr>
+          <p:cNvPr id="7" name="Text Box 6"/>
+          <p:cNvSpPr txBox="1"/>
+          <p:nvPr/>
+        </p:nvSpPr>
+        <p:spPr>
+          <a:xfrm>
+            <a:off x="760095" y="1153795"/>
+            <a:ext cx="10593070" cy="2676525"/>
+          </a:xfrm>
+          <a:prstGeom prst="rect">
+            <a:avLst/>
+          </a:prstGeom>
+          <a:noFill/>
+        </p:spPr>
+        <p:txBody>
+          <a:bodyPr wrap="square" rtlCol="0">
+            <a:spAutoFit/>
+          </a:bodyPr>
+          <a:p>
+            <a:pPr marL="342900" indent="-342900" fontAlgn="auto">
+              <a:lnSpc>
+                <a:spcPct val="150000"/>
+              </a:lnSpc>
+              <a:buFont typeface="Arial" panose="020B0604020202090204" pitchFamily="34" charset="0"/>
+              <a:buChar char="•"/>
+            </a:pPr>
+            <a:r>
+              <a:rPr lang="en-US" sz="2000">
+                <a:sym typeface="+mn-ea"/>
+              </a:rPr>
+              <a:t>A related work is Dict-BERT, which utilizes word Definition for solving rare word problem.</a:t>
+            </a:r>
+            <a:endParaRPr lang="en-US" sz="2000">
+              <a:sym typeface="+mn-ea"/>
+            </a:endParaRPr>
+          </a:p>
+          <a:p>
+            <a:pPr indent="0" fontAlgn="auto">
+              <a:lnSpc>
+                <a:spcPct val="150000"/>
+              </a:lnSpc>
+              <a:buFont typeface="Arial" panose="020B0604020202090204" pitchFamily="34" charset="0"/>
+              <a:buNone/>
+            </a:pPr>
+            <a:r>
+              <a:rPr lang="en-US" sz="2000">
+                <a:sym typeface="+mn-ea"/>
+              </a:rPr>
+              <a:t>It directly pads defition to raw input sentence while pretraining.</a:t>
+            </a:r>
+            <a:endParaRPr lang="en-US" sz="2000">
+              <a:sym typeface="+mn-ea"/>
+            </a:endParaRPr>
+          </a:p>
+          <a:p>
+            <a:pPr indent="0" fontAlgn="auto">
+              <a:lnSpc>
+                <a:spcPct val="150000"/>
+              </a:lnSpc>
+              <a:buNone/>
+            </a:pPr>
+            <a:endParaRPr lang="en-US"/>
+          </a:p>
+          <a:p>
+            <a:pPr indent="0" fontAlgn="auto">
+              <a:lnSpc>
+                <a:spcPct val="150000"/>
+              </a:lnSpc>
+              <a:buNone/>
+            </a:pPr>
+            <a:endParaRPr lang="en-US"/>
+          </a:p>
+          <a:p>
+            <a:pPr indent="0" fontAlgn="auto">
+              <a:lnSpc>
+                <a:spcPct val="150000"/>
+              </a:lnSpc>
+              <a:buNone/>
+            </a:pPr>
+            <a:endParaRPr lang="en-US"/>
+          </a:p>
+          <a:p>
+            <a:pPr indent="0" fontAlgn="auto">
+              <a:lnSpc>
+                <a:spcPct val="150000"/>
+              </a:lnSpc>
+              <a:buNone/>
+            </a:pPr>
+            <a:endParaRPr lang="en-US"/>
+          </a:p>
+        </p:txBody>
+      </p:sp>
+      <p:pic>
+        <p:nvPicPr>
+          <p:cNvPr id="3" name="Picture 2"/>
+          <p:cNvPicPr>
+            <a:picLocks noChangeAspect="1"/>
+          </p:cNvPicPr>
+          <p:nvPr/>
+        </p:nvPicPr>
+        <p:blipFill>
+          <a:blip r:embed="rId1"/>
+          <a:stretch>
+            <a:fillRect/>
+          </a:stretch>
+        </p:blipFill>
+        <p:spPr>
+          <a:xfrm>
+            <a:off x="3221355" y="3235960"/>
+            <a:ext cx="5749290" cy="2530475"/>
+          </a:xfrm>
+          <a:prstGeom prst="rect">
+            <a:avLst/>
+          </a:prstGeom>
+        </p:spPr>
+      </p:pic>
+    </p:spTree>
+  </p:cSld>
+  <p:clrMapOvr>
+    <a:masterClrMapping/>
+  </p:clrMapOvr>
+</p:sld>
+</file>
+
+<file path=ppt/slides/slide4.xml><?xml version="1.0" encoding="utf-8"?>
+<p:sld xmlns:a="http://schemas.openxmlformats.org/drawingml/2006/main" xmlns:r="http://schemas.openxmlformats.org/officeDocument/2006/relationships" xmlns:p="http://schemas.openxmlformats.org/presentationml/2006/main">
+  <p:cSld>
+    <p:spTree>
+      <p:nvGrpSpPr>
+        <p:cNvPr id="1" name=""/>
+        <p:cNvGrpSpPr/>
+        <p:nvPr/>
+      </p:nvGrpSpPr>
+      <p:grpSpPr/>
+      <p:sp>
+        <p:nvSpPr>
+          <p:cNvPr id="2" name="Title 1"/>
+          <p:cNvSpPr>
+            <a:spLocks noGrp="1"/>
+          </p:cNvSpPr>
+          <p:nvPr>
+            <p:ph type="title"/>
+          </p:nvPr>
+        </p:nvSpPr>
+        <p:spPr>
+          <a:xfrm>
+            <a:off x="838200" y="221615"/>
+            <a:ext cx="10515600" cy="1325563"/>
+          </a:xfrm>
+        </p:spPr>
+        <p:txBody>
+          <a:bodyPr/>
+          <a:p>
+            <a:r>
               <a:rPr lang="en-US" altLang="zh-CN" sz="3200">
                 <a:sym typeface="+mn-ea"/>
               </a:rPr>
@@ -3145,7 +3330,7 @@
 </p:sld>
 </file>
 
-<file path=ppt/slides/slide4.xml><?xml version="1.0" encoding="utf-8"?>
+<file path=ppt/slides/slide5.xml><?xml version="1.0" encoding="utf-8"?>
 <p:sld xmlns:a="http://schemas.openxmlformats.org/drawingml/2006/main" xmlns:r="http://schemas.openxmlformats.org/officeDocument/2006/relationships" xmlns:p="http://schemas.openxmlformats.org/presentationml/2006/main">
   <p:cSld>
     <p:spTree>
@@ -3364,7 +3549,7 @@
 </p:sld>
 </file>
 
-<file path=ppt/slides/slide5.xml><?xml version="1.0" encoding="utf-8"?>
+<file path=ppt/slides/slide6.xml><?xml version="1.0" encoding="utf-8"?>
 <p:sld xmlns:a="http://schemas.openxmlformats.org/drawingml/2006/main" xmlns:r="http://schemas.openxmlformats.org/officeDocument/2006/relationships" xmlns:p="http://schemas.openxmlformats.org/presentationml/2006/main">
   <p:cSld>
     <p:spTree>

--- a/Pretraining with dictionaries.pptx
+++ b/Pretraining with dictionaries.pptx
@@ -4,13 +4,17 @@
   <p:sldMasterIdLst>
     <p:sldMasterId id="2147483648" r:id="rId1"/>
   </p:sldMasterIdLst>
+  <p:notesMasterIdLst>
+    <p:notesMasterId r:id="rId9"/>
+  </p:notesMasterIdLst>
   <p:sldIdLst>
     <p:sldId id="256" r:id="rId3"/>
     <p:sldId id="258" r:id="rId4"/>
-    <p:sldId id="264" r:id="rId5"/>
-    <p:sldId id="260" r:id="rId6"/>
-    <p:sldId id="262" r:id="rId7"/>
-    <p:sldId id="261" r:id="rId8"/>
+    <p:sldId id="260" r:id="rId5"/>
+    <p:sldId id="268" r:id="rId6"/>
+    <p:sldId id="269" r:id="rId7"/>
+    <p:sldId id="270" r:id="rId8"/>
+    <p:sldId id="264" r:id="rId10"/>
   </p:sldIdLst>
   <p:sldSz cx="12192000" cy="6858000"/>
   <p:notesSz cx="7103745" cy="10234295"/>
@@ -110,6 +114,397 @@
     </a:lvl9pPr>
   </p:defaultTextStyle>
 </p:presentation>
+</file>
+
+<file path=ppt/notesMasters/notesMaster1.xml><?xml version="1.0" encoding="utf-8"?>
+<p:notesMaster xmlns:a="http://schemas.openxmlformats.org/drawingml/2006/main" xmlns:r="http://schemas.openxmlformats.org/officeDocument/2006/relationships" xmlns:p="http://schemas.openxmlformats.org/presentationml/2006/main">
+  <p:cSld>
+    <p:bg>
+      <p:bgRef idx="1001">
+        <a:schemeClr val="bg1"/>
+      </p:bgRef>
+    </p:bg>
+    <p:spTree>
+      <p:nvGrpSpPr>
+        <p:cNvPr id="1" name=""/>
+        <p:cNvGrpSpPr/>
+        <p:nvPr/>
+      </p:nvGrpSpPr>
+      <p:grpSpPr>
+        <a:xfrm>
+          <a:off x="0" y="0"/>
+          <a:ext cx="0" cy="0"/>
+          <a:chOff x="0" y="0"/>
+          <a:chExt cx="0" cy="0"/>
+        </a:xfrm>
+      </p:grpSpPr>
+      <p:sp>
+        <p:nvSpPr>
+          <p:cNvPr id="2" name="Header Placeholder 1"/>
+          <p:cNvSpPr>
+            <a:spLocks noGrp="1"/>
+          </p:cNvSpPr>
+          <p:nvPr>
+            <p:ph type="hdr" sz="quarter"/>
+          </p:nvPr>
+        </p:nvSpPr>
+        <p:spPr>
+          <a:xfrm>
+            <a:off x="0" y="0"/>
+            <a:ext cx="3078290" cy="513492"/>
+          </a:xfrm>
+          <a:prstGeom prst="rect">
+            <a:avLst/>
+          </a:prstGeom>
+        </p:spPr>
+        <p:txBody>
+          <a:bodyPr vert="horz" lIns="91440" tIns="45720" rIns="91440" bIns="45720" rtlCol="0"/>
+          <a:lstStyle>
+            <a:lvl1pPr algn="l">
+              <a:defRPr sz="1200"/>
+            </a:lvl1pPr>
+          </a:lstStyle>
+          <a:p>
+            <a:endParaRPr lang="en-US"/>
+          </a:p>
+        </p:txBody>
+      </p:sp>
+      <p:sp>
+        <p:nvSpPr>
+          <p:cNvPr id="3" name="Date Placeholder 2"/>
+          <p:cNvSpPr>
+            <a:spLocks noGrp="1"/>
+          </p:cNvSpPr>
+          <p:nvPr>
+            <p:ph type="dt" idx="1"/>
+          </p:nvPr>
+        </p:nvSpPr>
+        <p:spPr>
+          <a:xfrm>
+            <a:off x="4023812" y="0"/>
+            <a:ext cx="3078290" cy="513492"/>
+          </a:xfrm>
+          <a:prstGeom prst="rect">
+            <a:avLst/>
+          </a:prstGeom>
+        </p:spPr>
+        <p:txBody>
+          <a:bodyPr vert="horz" lIns="91440" tIns="45720" rIns="91440" bIns="45720" rtlCol="0"/>
+          <a:lstStyle>
+            <a:lvl1pPr algn="r">
+              <a:defRPr sz="1200"/>
+            </a:lvl1pPr>
+          </a:lstStyle>
+          <a:p>
+            <a:fld id="{3EFD42F7-718C-4B98-AAEC-167E6DDD60A7}" type="datetimeFigureOut">
+              <a:rPr lang="en-US" smtClean="0"/>
+            </a:fld>
+            <a:endParaRPr lang="en-US"/>
+          </a:p>
+        </p:txBody>
+      </p:sp>
+      <p:sp>
+        <p:nvSpPr>
+          <p:cNvPr id="4" name="Slide Image Placeholder 3"/>
+          <p:cNvSpPr>
+            <a:spLocks noGrp="1" noRot="1" noChangeAspect="1"/>
+          </p:cNvSpPr>
+          <p:nvPr>
+            <p:ph type="sldImg" idx="2"/>
+          </p:nvPr>
+        </p:nvSpPr>
+        <p:spPr>
+          <a:xfrm>
+            <a:off x="481584" y="1279287"/>
+            <a:ext cx="6140577" cy="3454075"/>
+          </a:xfrm>
+          <a:prstGeom prst="rect">
+            <a:avLst/>
+          </a:prstGeom>
+          <a:noFill/>
+          <a:ln w="12700">
+            <a:solidFill>
+              <a:prstClr val="black"/>
+            </a:solidFill>
+          </a:ln>
+        </p:spPr>
+        <p:txBody>
+          <a:bodyPr vert="horz" lIns="91440" tIns="45720" rIns="91440" bIns="45720" rtlCol="0" anchor="ctr"/>
+          <a:lstStyle/>
+          <a:p>
+            <a:endParaRPr lang="en-US"/>
+          </a:p>
+        </p:txBody>
+      </p:sp>
+      <p:sp>
+        <p:nvSpPr>
+          <p:cNvPr id="5" name="Notes Placeholder 4"/>
+          <p:cNvSpPr>
+            <a:spLocks noGrp="1"/>
+          </p:cNvSpPr>
+          <p:nvPr>
+            <p:ph type="body" sz="quarter" idx="3"/>
+          </p:nvPr>
+        </p:nvSpPr>
+        <p:spPr>
+          <a:xfrm>
+            <a:off x="710375" y="4925254"/>
+            <a:ext cx="5682996" cy="4029754"/>
+          </a:xfrm>
+          <a:prstGeom prst="rect">
+            <a:avLst/>
+          </a:prstGeom>
+        </p:spPr>
+        <p:txBody>
+          <a:bodyPr vert="horz" lIns="91440" tIns="45720" rIns="91440" bIns="45720" rtlCol="0"/>
+          <a:lstStyle/>
+          <a:p>
+            <a:pPr lvl="0"/>
+            <a:r>
+              <a:rPr lang="en-US" smtClean="0"/>
+              <a:t>Click to edit Master text styles</a:t>
+            </a:r>
+            <a:endParaRPr lang="en-US" smtClean="0"/>
+          </a:p>
+          <a:p>
+            <a:pPr lvl="1"/>
+            <a:r>
+              <a:rPr lang="en-US" smtClean="0"/>
+              <a:t>Second level</a:t>
+            </a:r>
+            <a:endParaRPr lang="en-US" smtClean="0"/>
+          </a:p>
+          <a:p>
+            <a:pPr lvl="2"/>
+            <a:r>
+              <a:rPr lang="en-US" smtClean="0"/>
+              <a:t>Third level</a:t>
+            </a:r>
+            <a:endParaRPr lang="en-US" smtClean="0"/>
+          </a:p>
+          <a:p>
+            <a:pPr lvl="3"/>
+            <a:r>
+              <a:rPr lang="en-US" smtClean="0"/>
+              <a:t>Fourth level</a:t>
+            </a:r>
+            <a:endParaRPr lang="en-US" smtClean="0"/>
+          </a:p>
+          <a:p>
+            <a:pPr lvl="4"/>
+            <a:r>
+              <a:rPr lang="en-US" smtClean="0"/>
+              <a:t>Fifth level</a:t>
+            </a:r>
+            <a:endParaRPr lang="en-US"/>
+          </a:p>
+        </p:txBody>
+      </p:sp>
+      <p:sp>
+        <p:nvSpPr>
+          <p:cNvPr id="6" name="Footer Placeholder 5"/>
+          <p:cNvSpPr>
+            <a:spLocks noGrp="1"/>
+          </p:cNvSpPr>
+          <p:nvPr>
+            <p:ph type="ftr" sz="quarter" idx="4"/>
+          </p:nvPr>
+        </p:nvSpPr>
+        <p:spPr>
+          <a:xfrm>
+            <a:off x="0" y="9720804"/>
+            <a:ext cx="3078290" cy="513491"/>
+          </a:xfrm>
+          <a:prstGeom prst="rect">
+            <a:avLst/>
+          </a:prstGeom>
+        </p:spPr>
+        <p:txBody>
+          <a:bodyPr vert="horz" lIns="91440" tIns="45720" rIns="91440" bIns="45720" rtlCol="0" anchor="b"/>
+          <a:lstStyle>
+            <a:lvl1pPr algn="l">
+              <a:defRPr sz="1200"/>
+            </a:lvl1pPr>
+          </a:lstStyle>
+          <a:p>
+            <a:endParaRPr lang="en-US"/>
+          </a:p>
+        </p:txBody>
+      </p:sp>
+      <p:sp>
+        <p:nvSpPr>
+          <p:cNvPr id="7" name="Slide Number Placeholder 6"/>
+          <p:cNvSpPr>
+            <a:spLocks noGrp="1"/>
+          </p:cNvSpPr>
+          <p:nvPr>
+            <p:ph type="sldNum" sz="quarter" idx="5"/>
+          </p:nvPr>
+        </p:nvSpPr>
+        <p:spPr>
+          <a:xfrm>
+            <a:off x="4023812" y="9720804"/>
+            <a:ext cx="3078290" cy="513491"/>
+          </a:xfrm>
+          <a:prstGeom prst="rect">
+            <a:avLst/>
+          </a:prstGeom>
+        </p:spPr>
+        <p:txBody>
+          <a:bodyPr vert="horz" lIns="91440" tIns="45720" rIns="91440" bIns="45720" rtlCol="0" anchor="b"/>
+          <a:lstStyle>
+            <a:lvl1pPr algn="r">
+              <a:defRPr sz="1200"/>
+            </a:lvl1pPr>
+          </a:lstStyle>
+          <a:p>
+            <a:fld id="{21B2AA4F-B828-4D7C-AFD3-893933DAFCB4}" type="slidenum">
+              <a:rPr lang="en-US" smtClean="0"/>
+            </a:fld>
+            <a:endParaRPr lang="en-US"/>
+          </a:p>
+        </p:txBody>
+      </p:sp>
+    </p:spTree>
+  </p:cSld>
+  <p:clrMap bg1="lt1" tx1="dk1" bg2="lt2" tx2="dk2" accent1="accent1" accent2="accent2" accent3="accent3" accent4="accent4" accent5="accent5" accent6="accent6" hlink="hlink" folHlink="folHlink"/>
+  <p:notesStyle>
+    <a:lvl1pPr marL="0" algn="l" defTabSz="914400" rtl="0" eaLnBrk="1" latinLnBrk="0" hangingPunct="1">
+      <a:defRPr sz="1200" kern="1200">
+        <a:solidFill>
+          <a:schemeClr val="tx1"/>
+        </a:solidFill>
+        <a:latin typeface="+mn-lt"/>
+        <a:ea typeface="+mn-ea"/>
+        <a:cs typeface="+mn-cs"/>
+      </a:defRPr>
+    </a:lvl1pPr>
+    <a:lvl2pPr marL="457200" algn="l" defTabSz="914400" rtl="0" eaLnBrk="1" latinLnBrk="0" hangingPunct="1">
+      <a:defRPr sz="1200" kern="1200">
+        <a:solidFill>
+          <a:schemeClr val="tx1"/>
+        </a:solidFill>
+        <a:latin typeface="+mn-lt"/>
+        <a:ea typeface="+mn-ea"/>
+        <a:cs typeface="+mn-cs"/>
+      </a:defRPr>
+    </a:lvl2pPr>
+    <a:lvl3pPr marL="914400" algn="l" defTabSz="914400" rtl="0" eaLnBrk="1" latinLnBrk="0" hangingPunct="1">
+      <a:defRPr sz="1200" kern="1200">
+        <a:solidFill>
+          <a:schemeClr val="tx1"/>
+        </a:solidFill>
+        <a:latin typeface="+mn-lt"/>
+        <a:ea typeface="+mn-ea"/>
+        <a:cs typeface="+mn-cs"/>
+      </a:defRPr>
+    </a:lvl3pPr>
+    <a:lvl4pPr marL="1371600" algn="l" defTabSz="914400" rtl="0" eaLnBrk="1" latinLnBrk="0" hangingPunct="1">
+      <a:defRPr sz="1200" kern="1200">
+        <a:solidFill>
+          <a:schemeClr val="tx1"/>
+        </a:solidFill>
+        <a:latin typeface="+mn-lt"/>
+        <a:ea typeface="+mn-ea"/>
+        <a:cs typeface="+mn-cs"/>
+      </a:defRPr>
+    </a:lvl4pPr>
+    <a:lvl5pPr marL="1828800" algn="l" defTabSz="914400" rtl="0" eaLnBrk="1" latinLnBrk="0" hangingPunct="1">
+      <a:defRPr sz="1200" kern="1200">
+        <a:solidFill>
+          <a:schemeClr val="tx1"/>
+        </a:solidFill>
+        <a:latin typeface="+mn-lt"/>
+        <a:ea typeface="+mn-ea"/>
+        <a:cs typeface="+mn-cs"/>
+      </a:defRPr>
+    </a:lvl5pPr>
+    <a:lvl6pPr marL="2286000" algn="l" defTabSz="914400" rtl="0" eaLnBrk="1" latinLnBrk="0" hangingPunct="1">
+      <a:defRPr sz="1200" kern="1200">
+        <a:solidFill>
+          <a:schemeClr val="tx1"/>
+        </a:solidFill>
+        <a:latin typeface="+mn-lt"/>
+        <a:ea typeface="+mn-ea"/>
+        <a:cs typeface="+mn-cs"/>
+      </a:defRPr>
+    </a:lvl6pPr>
+    <a:lvl7pPr marL="2743200" algn="l" defTabSz="914400" rtl="0" eaLnBrk="1" latinLnBrk="0" hangingPunct="1">
+      <a:defRPr sz="1200" kern="1200">
+        <a:solidFill>
+          <a:schemeClr val="tx1"/>
+        </a:solidFill>
+        <a:latin typeface="+mn-lt"/>
+        <a:ea typeface="+mn-ea"/>
+        <a:cs typeface="+mn-cs"/>
+      </a:defRPr>
+    </a:lvl7pPr>
+    <a:lvl8pPr marL="3200400" algn="l" defTabSz="914400" rtl="0" eaLnBrk="1" latinLnBrk="0" hangingPunct="1">
+      <a:defRPr sz="1200" kern="1200">
+        <a:solidFill>
+          <a:schemeClr val="tx1"/>
+        </a:solidFill>
+        <a:latin typeface="+mn-lt"/>
+        <a:ea typeface="+mn-ea"/>
+        <a:cs typeface="+mn-cs"/>
+      </a:defRPr>
+    </a:lvl8pPr>
+    <a:lvl9pPr marL="3657600" algn="l" defTabSz="914400" rtl="0" eaLnBrk="1" latinLnBrk="0" hangingPunct="1">
+      <a:defRPr sz="1200" kern="1200">
+        <a:solidFill>
+          <a:schemeClr val="tx1"/>
+        </a:solidFill>
+        <a:latin typeface="+mn-lt"/>
+        <a:ea typeface="+mn-ea"/>
+        <a:cs typeface="+mn-cs"/>
+      </a:defRPr>
+    </a:lvl9pPr>
+  </p:notesStyle>
+</p:notesMaster>
+</file>
+
+<file path=ppt/notesSlides/notesSlide1.xml><?xml version="1.0" encoding="utf-8"?>
+<p:notes xmlns:a="http://schemas.openxmlformats.org/drawingml/2006/main" xmlns:r="http://schemas.openxmlformats.org/officeDocument/2006/relationships" xmlns:p="http://schemas.openxmlformats.org/presentationml/2006/main">
+  <p:cSld>
+    <p:spTree>
+      <p:nvGrpSpPr>
+        <p:cNvPr id="1" name=""/>
+        <p:cNvGrpSpPr/>
+        <p:nvPr/>
+      </p:nvGrpSpPr>
+      <p:grpSpPr/>
+      <p:sp>
+        <p:nvSpPr>
+          <p:cNvPr id="2" name="Slide Image Placeholder 1"/>
+          <p:cNvSpPr/>
+          <p:nvPr>
+            <p:ph type="sldImg" idx="2"/>
+          </p:nvPr>
+        </p:nvSpPr>
+        <p:spPr/>
+      </p:sp>
+      <p:sp>
+        <p:nvSpPr>
+          <p:cNvPr id="3" name="Text Placeholder 2"/>
+          <p:cNvSpPr/>
+          <p:nvPr>
+            <p:ph type="body" idx="3"/>
+          </p:nvPr>
+        </p:nvSpPr>
+        <p:spPr/>
+        <p:txBody>
+          <a:bodyPr/>
+          <a:p>
+            <a:endParaRPr lang="en-US"/>
+          </a:p>
+        </p:txBody>
+      </p:sp>
+    </p:spTree>
+  </p:cSld>
+  <p:clrMapOvr>
+    <a:masterClrMapping/>
+  </p:clrMapOvr>
+</p:notes>
 </file>
 
 <file path=ppt/slideLayouts/slideLayout1.xml><?xml version="1.0" encoding="utf-8"?>
@@ -2777,7 +3172,7 @@
               <a:rPr lang="en-US" sz="2000" b="1">
                 <a:sym typeface="+mn-ea"/>
               </a:rPr>
-              <a:t>Dictionary provides a weakly supervised dataset for all vocabularies with definition and synonym &amp; antonym as weak labels.</a:t>
+              <a:t>Dictionary provides a weakly supervised dataset for all vocabularies with definition and synonym &amp; antonym as labels.</a:t>
             </a:r>
             <a:r>
               <a:rPr lang="en-US" sz="2000">
@@ -2827,54 +3222,6 @@
           </a:p>
         </p:txBody>
       </p:sp>
-      <p:pic>
-        <p:nvPicPr>
-          <p:cNvPr id="12" name="Picture 11"/>
-          <p:cNvPicPr>
-            <a:picLocks noChangeAspect="1"/>
-          </p:cNvPicPr>
-          <p:nvPr/>
-        </p:nvPicPr>
-        <p:blipFill>
-          <a:blip r:embed="rId1"/>
-          <a:stretch>
-            <a:fillRect/>
-          </a:stretch>
-        </p:blipFill>
-        <p:spPr>
-          <a:xfrm>
-            <a:off x="2379980" y="3630930"/>
-            <a:ext cx="3072765" cy="2725420"/>
-          </a:xfrm>
-          <a:prstGeom prst="rect">
-            <a:avLst/>
-          </a:prstGeom>
-        </p:spPr>
-      </p:pic>
-      <p:pic>
-        <p:nvPicPr>
-          <p:cNvPr id="13" name="Picture 12"/>
-          <p:cNvPicPr>
-            <a:picLocks noChangeAspect="1"/>
-          </p:cNvPicPr>
-          <p:nvPr/>
-        </p:nvPicPr>
-        <p:blipFill>
-          <a:blip r:embed="rId2"/>
-          <a:stretch>
-            <a:fillRect/>
-          </a:stretch>
-        </p:blipFill>
-        <p:spPr>
-          <a:xfrm>
-            <a:off x="5634355" y="3630930"/>
-            <a:ext cx="4393565" cy="2150745"/>
-          </a:xfrm>
-          <a:prstGeom prst="rect">
-            <a:avLst/>
-          </a:prstGeom>
-        </p:spPr>
-      </p:pic>
     </p:spTree>
   </p:cSld>
   <p:clrMapOvr>
@@ -2913,8 +3260,10 @@
           <a:bodyPr/>
           <a:p>
             <a:r>
-              <a:rPr lang="en-US" sz="3200"/>
-              <a:t>Related Work</a:t>
+              <a:rPr lang="en-US" altLang="zh-CN" sz="3200">
+                <a:sym typeface="+mn-ea"/>
+              </a:rPr>
+              <a:t>Pretraining Design </a:t>
             </a:r>
             <a:endParaRPr lang="en-US" sz="3200"/>
           </a:p>
@@ -2949,8 +3298,8 @@
         </p:nvSpPr>
         <p:spPr>
           <a:xfrm>
-            <a:off x="760095" y="1153795"/>
-            <a:ext cx="10593070" cy="2676525"/>
+            <a:off x="760730" y="1153795"/>
+            <a:ext cx="10593070" cy="4846320"/>
           </a:xfrm>
           <a:prstGeom prst="rect">
             <a:avLst/>
@@ -2970,12 +3319,12 @@
               <a:buChar char="•"/>
             </a:pPr>
             <a:r>
-              <a:rPr lang="en-US" sz="2000">
+              <a:rPr lang="en-US" sz="2000" b="1">
                 <a:sym typeface="+mn-ea"/>
               </a:rPr>
-              <a:t>A related work is Dict-BERT, which utilizes word Definition for solving rare word problem.</a:t>
-            </a:r>
-            <a:endParaRPr lang="en-US" sz="2000">
+              <a:t>Contrastive Learning for antonym/synonym</a:t>
+            </a:r>
+            <a:endParaRPr lang="en-US" sz="2000" b="1">
               <a:sym typeface="+mn-ea"/>
             </a:endParaRPr>
           </a:p>
@@ -2988,12 +3337,24 @@
               <a:buNone/>
             </a:pPr>
             <a:r>
-              <a:rPr lang="en-US" sz="2000">
+              <a:rPr lang="en-US" sz="1600" i="1">
                 <a:sym typeface="+mn-ea"/>
               </a:rPr>
-              <a:t>It directly pads defition to raw input sentence while pretraining.</a:t>
-            </a:r>
-            <a:endParaRPr lang="en-US" sz="2000">
+              <a:t>a) label = contradiction</a:t>
+            </a:r>
+            <a:endParaRPr lang="en-US" sz="2000" b="1">
+              <a:sym typeface="+mn-ea"/>
+            </a:endParaRPr>
+          </a:p>
+          <a:p>
+            <a:pPr marL="342900" indent="-342900" fontAlgn="auto">
+              <a:lnSpc>
+                <a:spcPct val="150000"/>
+              </a:lnSpc>
+              <a:buFont typeface="Arial" panose="020B0604020202090204" pitchFamily="34" charset="0"/>
+              <a:buChar char="•"/>
+            </a:pPr>
+            <a:endParaRPr lang="en-US" sz="2000" b="1">
               <a:sym typeface="+mn-ea"/>
             </a:endParaRPr>
           </a:p>
@@ -3002,9 +3363,24 @@
               <a:lnSpc>
                 <a:spcPct val="150000"/>
               </a:lnSpc>
-              <a:buNone/>
-            </a:pPr>
-            <a:endParaRPr lang="en-US"/>
+              <a:buFont typeface="Arial" panose="020B0604020202090204" pitchFamily="34" charset="0"/>
+              <a:buNone/>
+            </a:pPr>
+            <a:endParaRPr lang="en-US" b="1">
+              <a:sym typeface="+mn-ea"/>
+            </a:endParaRPr>
+          </a:p>
+          <a:p>
+            <a:pPr marL="342900" indent="-342900" fontAlgn="auto">
+              <a:lnSpc>
+                <a:spcPct val="150000"/>
+              </a:lnSpc>
+              <a:buFont typeface="Wingdings" panose="05000000000000000000" charset="0"/>
+              <a:buChar char=""/>
+            </a:pPr>
+            <a:endParaRPr lang="en-US" sz="2000">
+              <a:sym typeface="+mn-ea"/>
+            </a:endParaRPr>
           </a:p>
           <a:p>
             <a:pPr indent="0" fontAlgn="auto">
@@ -3016,10 +3392,31 @@
             <a:endParaRPr lang="en-US"/>
           </a:p>
           <a:p>
+            <a:pPr marL="342900" indent="-342900" fontAlgn="auto">
+              <a:lnSpc>
+                <a:spcPct val="150000"/>
+              </a:lnSpc>
+              <a:buFont typeface="Arial" panose="020B0604020202090204" pitchFamily="34" charset="0"/>
+              <a:buChar char="•"/>
+            </a:pPr>
+            <a:endParaRPr lang="en-US" sz="2000"/>
+          </a:p>
+          <a:p>
+            <a:pPr marL="342900" indent="-342900" fontAlgn="auto">
+              <a:lnSpc>
+                <a:spcPct val="150000"/>
+              </a:lnSpc>
+              <a:buFont typeface="Arial" panose="020B0604020202090204" pitchFamily="34" charset="0"/>
+              <a:buChar char="•"/>
+            </a:pPr>
+            <a:endParaRPr lang="en-US" sz="2000"/>
+          </a:p>
+          <a:p>
             <a:pPr indent="0" fontAlgn="auto">
               <a:lnSpc>
                 <a:spcPct val="150000"/>
               </a:lnSpc>
+              <a:buFont typeface="Arial" panose="020B0604020202090204" pitchFamily="34" charset="0"/>
               <a:buNone/>
             </a:pPr>
             <a:endParaRPr lang="en-US"/>
@@ -3033,11 +3430,20 @@
             </a:pPr>
             <a:endParaRPr lang="en-US"/>
           </a:p>
+          <a:p>
+            <a:pPr indent="0" fontAlgn="auto">
+              <a:lnSpc>
+                <a:spcPct val="150000"/>
+              </a:lnSpc>
+              <a:buNone/>
+            </a:pPr>
+            <a:endParaRPr lang="en-US"/>
+          </a:p>
         </p:txBody>
       </p:sp>
       <p:pic>
         <p:nvPicPr>
-          <p:cNvPr id="3" name="Picture 2"/>
+          <p:cNvPr id="336" name="Picture 335"/>
           <p:cNvPicPr>
             <a:picLocks noChangeAspect="1"/>
           </p:cNvPicPr>
@@ -3051,14 +3457,121 @@
         </p:blipFill>
         <p:spPr>
           <a:xfrm>
-            <a:off x="3221355" y="3235960"/>
-            <a:ext cx="5749290" cy="2530475"/>
+            <a:off x="1511300" y="2791460"/>
+            <a:ext cx="4106545" cy="2427605"/>
           </a:xfrm>
           <a:prstGeom prst="rect">
             <a:avLst/>
           </a:prstGeom>
         </p:spPr>
       </p:pic>
+      <p:pic>
+        <p:nvPicPr>
+          <p:cNvPr id="337" name="Picture 336"/>
+          <p:cNvPicPr>
+            <a:picLocks noChangeAspect="1"/>
+          </p:cNvPicPr>
+          <p:nvPr/>
+        </p:nvPicPr>
+        <p:blipFill>
+          <a:blip r:embed="rId2"/>
+          <a:stretch>
+            <a:fillRect/>
+          </a:stretch>
+        </p:blipFill>
+        <p:spPr>
+          <a:xfrm>
+            <a:off x="5845810" y="2778760"/>
+            <a:ext cx="4051300" cy="2345690"/>
+          </a:xfrm>
+          <a:prstGeom prst="rect">
+            <a:avLst/>
+          </a:prstGeom>
+        </p:spPr>
+      </p:pic>
+      <p:sp>
+        <p:nvSpPr>
+          <p:cNvPr id="2640" name="Google Shape;2640;p31"/>
+          <p:cNvSpPr/>
+          <p:nvPr/>
+        </p:nvSpPr>
+        <p:spPr>
+          <a:xfrm rot="5400000" flipH="1" flipV="1">
+            <a:off x="5994400" y="-378460"/>
+            <a:ext cx="203200" cy="5931535"/>
+          </a:xfrm>
+          <a:prstGeom prst="rightBrace">
+            <a:avLst>
+              <a:gd name="adj1" fmla="val 122224"/>
+              <a:gd name="adj2" fmla="val 50000"/>
+            </a:avLst>
+          </a:prstGeom>
+          <a:noFill/>
+          <a:ln w="9525" cap="flat" cmpd="sng">
+            <a:solidFill>
+              <a:schemeClr val="dk1"/>
+            </a:solidFill>
+            <a:prstDash val="solid"/>
+            <a:miter lim="800000"/>
+            <a:headEnd type="none" w="sm" len="sm"/>
+            <a:tailEnd type="none" w="sm" len="sm"/>
+          </a:ln>
+        </p:spPr>
+        <p:txBody>
+          <a:bodyPr spcFirstLastPara="1" wrap="square" lIns="68575" tIns="34275" rIns="68575" bIns="34275" anchor="ctr" anchorCtr="0">
+            <a:noAutofit/>
+          </a:bodyPr>
+          <a:p>
+            <a:pPr marL="0" marR="0" lvl="0" indent="0" algn="ctr" rtl="0">
+              <a:spcBef>
+                <a:spcPts val="0"/>
+              </a:spcBef>
+              <a:spcAft>
+                <a:spcPts val="0"/>
+              </a:spcAft>
+              <a:buNone/>
+            </a:pPr>
+            <a:endParaRPr sz="1400">
+              <a:solidFill>
+                <a:schemeClr val="dk1"/>
+              </a:solidFill>
+              <a:latin typeface="Calibri"/>
+              <a:ea typeface="Calibri"/>
+              <a:cs typeface="Calibri"/>
+              <a:sym typeface="Calibri"/>
+            </a:endParaRPr>
+          </a:p>
+        </p:txBody>
+      </p:sp>
+      <p:sp>
+        <p:nvSpPr>
+          <p:cNvPr id="344" name="Text Box 343"/>
+          <p:cNvSpPr txBox="1"/>
+          <p:nvPr/>
+        </p:nvSpPr>
+        <p:spPr>
+          <a:xfrm>
+            <a:off x="5384165" y="2077085"/>
+            <a:ext cx="2092325" cy="306705"/>
+          </a:xfrm>
+          <a:prstGeom prst="rect">
+            <a:avLst/>
+          </a:prstGeom>
+          <a:noFill/>
+        </p:spPr>
+        <p:txBody>
+          <a:bodyPr wrap="square" rtlCol="0">
+            <a:spAutoFit/>
+          </a:bodyPr>
+          <a:p>
+            <a:r>
+              <a:rPr lang="en-US" sz="1400"/>
+              <a:t>contrastive loss</a:t>
+            </a:r>
+            <a:endParaRPr lang="en-US" sz="1400"/>
+          </a:p>
+        </p:txBody>
+      </p:sp>
     </p:spTree>
   </p:cSld>
   <p:clrMapOvr>
@@ -3100,7 +3613,7 @@
               <a:rPr lang="en-US" altLang="zh-CN" sz="3200">
                 <a:sym typeface="+mn-ea"/>
               </a:rPr>
-              <a:t>Pretraining Design ( a possible version )</a:t>
+              <a:t>Pretraining Design </a:t>
             </a:r>
             <a:endParaRPr lang="en-US" sz="3200"/>
           </a:p>
@@ -3136,7 +3649,7 @@
         <p:spPr>
           <a:xfrm>
             <a:off x="760730" y="1153795"/>
-            <a:ext cx="10593070" cy="6092825"/>
+            <a:ext cx="10593070" cy="5215890"/>
           </a:xfrm>
           <a:prstGeom prst="rect">
             <a:avLst/>
@@ -3156,16 +3669,28 @@
               <a:buChar char="•"/>
             </a:pPr>
             <a:r>
-              <a:rPr lang="en-US" sz="2000">
-                <a:sym typeface="+mn-ea"/>
-              </a:rPr>
-              <a:t>With labelled data, </a:t>
-            </a:r>
-            <a:r>
               <a:rPr lang="en-US" sz="2000" b="1">
                 <a:sym typeface="+mn-ea"/>
               </a:rPr>
-              <a:t>Contrastive Learning task can be introduced for pretraining, which performs more efficiently than MLM.</a:t>
+              <a:t>Contrastive Learning for antonym/synonym</a:t>
+            </a:r>
+            <a:endParaRPr lang="en-US" sz="2000" b="1">
+              <a:sym typeface="+mn-ea"/>
+            </a:endParaRPr>
+          </a:p>
+          <a:p>
+            <a:pPr indent="0" fontAlgn="auto">
+              <a:lnSpc>
+                <a:spcPct val="150000"/>
+              </a:lnSpc>
+              <a:buFont typeface="Arial" panose="020B0604020202090204" pitchFamily="34" charset="0"/>
+              <a:buNone/>
+            </a:pPr>
+            <a:r>
+              <a:rPr lang="en-US" sz="1600" i="1">
+                <a:sym typeface="+mn-ea"/>
+              </a:rPr>
+              <a:t>b) label = entailment</a:t>
             </a:r>
             <a:endParaRPr lang="en-US" sz="2000" b="1">
               <a:sym typeface="+mn-ea"/>
@@ -3191,90 +3716,6 @@
               <a:buFont typeface="Wingdings" panose="05000000000000000000" charset="0"/>
               <a:buChar char=""/>
             </a:pPr>
-            <a:r>
-              <a:rPr lang="en-US">
-                <a:sym typeface="+mn-ea"/>
-              </a:rPr>
-              <a:t>For Antonym/Synonym: Contrastive Learning</a:t>
-            </a:r>
-            <a:endParaRPr lang="en-US">
-              <a:sym typeface="+mn-ea"/>
-            </a:endParaRPr>
-          </a:p>
-          <a:p>
-            <a:pPr indent="0" fontAlgn="auto">
-              <a:lnSpc>
-                <a:spcPct val="150000"/>
-              </a:lnSpc>
-              <a:buFont typeface="Arial" panose="020B0604020202090204" pitchFamily="34" charset="0"/>
-              <a:buNone/>
-            </a:pPr>
-            <a:r>
-              <a:rPr lang="en-US" b="1">
-                <a:sym typeface="+mn-ea"/>
-              </a:rPr>
-              <a:t>It could work as an entailment task</a:t>
-            </a:r>
-            <a:r>
-              <a:rPr lang="en-US">
-                <a:sym typeface="+mn-ea"/>
-              </a:rPr>
-              <a:t>, with antonyms being “contradiction”, synonyms ( and self ) being “entailment” and randomly sampled words being “neutral”.</a:t>
-            </a:r>
-            <a:endParaRPr lang="en-US">
-              <a:sym typeface="+mn-ea"/>
-            </a:endParaRPr>
-          </a:p>
-          <a:p>
-            <a:pPr marL="342900" indent="-342900" fontAlgn="auto">
-              <a:lnSpc>
-                <a:spcPct val="150000"/>
-              </a:lnSpc>
-              <a:buFont typeface="Wingdings" panose="05000000000000000000" charset="0"/>
-              <a:buChar char=""/>
-            </a:pPr>
-            <a:r>
-              <a:rPr lang="en-US">
-                <a:sym typeface="+mn-ea"/>
-              </a:rPr>
-              <a:t>For Definition: Sentence Embedding + Contrastive Learning</a:t>
-            </a:r>
-            <a:endParaRPr lang="en-US">
-              <a:sym typeface="+mn-ea"/>
-            </a:endParaRPr>
-          </a:p>
-          <a:p>
-            <a:pPr indent="0" fontAlgn="auto">
-              <a:lnSpc>
-                <a:spcPct val="150000"/>
-              </a:lnSpc>
-              <a:buFont typeface="Arial" panose="020B0604020202090204" pitchFamily="34" charset="0"/>
-              <a:buNone/>
-            </a:pPr>
-            <a:r>
-              <a:rPr lang="en-US">
-                <a:sym typeface="+mn-ea"/>
-              </a:rPr>
-              <a:t>Similar to below, with sentence embedding replacing the central word.</a:t>
-            </a:r>
-            <a:endParaRPr lang="en-US">
-              <a:sym typeface="+mn-ea"/>
-            </a:endParaRPr>
-          </a:p>
-          <a:p>
-            <a:pPr marL="342900" indent="-342900" fontAlgn="auto">
-              <a:lnSpc>
-                <a:spcPct val="150000"/>
-              </a:lnSpc>
-              <a:buFont typeface="Wingdings" panose="05000000000000000000" charset="0"/>
-              <a:buChar char=""/>
-            </a:pPr>
-            <a:r>
-              <a:rPr lang="en-US">
-                <a:sym typeface="+mn-ea"/>
-              </a:rPr>
-              <a:t>For Example Sentences: MLM/LM</a:t>
-            </a:r>
             <a:endParaRPr lang="en-US" sz="2000">
               <a:sym typeface="+mn-ea"/>
             </a:endParaRPr>
@@ -3296,17 +3737,24 @@
               <a:buFont typeface="Arial" panose="020B0604020202090204" pitchFamily="34" charset="0"/>
               <a:buChar char="•"/>
             </a:pPr>
-            <a:r>
-              <a:rPr lang="en-US" sz="2000"/>
-              <a:t>Note this fashion can also be adapted for multilingual models, just using multilingual dictionaries.</a:t>
-            </a:r>
-            <a:endParaRPr lang="en-US"/>
+            <a:endParaRPr lang="en-US" sz="2000"/>
+          </a:p>
+          <a:p>
+            <a:pPr marL="342900" indent="-342900" fontAlgn="auto">
+              <a:lnSpc>
+                <a:spcPct val="150000"/>
+              </a:lnSpc>
+              <a:buFont typeface="Arial" panose="020B0604020202090204" pitchFamily="34" charset="0"/>
+              <a:buChar char="•"/>
+            </a:pPr>
+            <a:endParaRPr lang="en-US" sz="2000"/>
           </a:p>
           <a:p>
             <a:pPr indent="0" fontAlgn="auto">
               <a:lnSpc>
                 <a:spcPct val="150000"/>
               </a:lnSpc>
+              <a:buFont typeface="Arial" panose="020B0604020202090204" pitchFamily="34" charset="0"/>
               <a:buNone/>
             </a:pPr>
             <a:endParaRPr lang="en-US"/>
@@ -3319,6 +3767,168 @@
               <a:buNone/>
             </a:pPr>
             <a:endParaRPr lang="en-US"/>
+          </a:p>
+          <a:p>
+            <a:pPr indent="0" fontAlgn="auto">
+              <a:lnSpc>
+                <a:spcPct val="150000"/>
+              </a:lnSpc>
+              <a:buNone/>
+            </a:pPr>
+            <a:endParaRPr lang="en-US"/>
+          </a:p>
+          <a:p>
+            <a:pPr indent="0" fontAlgn="auto">
+              <a:lnSpc>
+                <a:spcPct val="150000"/>
+              </a:lnSpc>
+              <a:buNone/>
+            </a:pPr>
+            <a:endParaRPr lang="en-US"/>
+          </a:p>
+          <a:p>
+            <a:pPr indent="0" fontAlgn="auto">
+              <a:lnSpc>
+                <a:spcPct val="150000"/>
+              </a:lnSpc>
+              <a:buNone/>
+            </a:pPr>
+            <a:r>
+              <a:rPr lang="en-US"/>
+              <a:t>there is a possible c) neutral where two words are not ant/syn.</a:t>
+            </a:r>
+            <a:endParaRPr lang="en-US"/>
+          </a:p>
+        </p:txBody>
+      </p:sp>
+      <p:pic>
+        <p:nvPicPr>
+          <p:cNvPr id="336" name="Picture 335"/>
+          <p:cNvPicPr>
+            <a:picLocks noChangeAspect="1"/>
+          </p:cNvPicPr>
+          <p:nvPr/>
+        </p:nvPicPr>
+        <p:blipFill>
+          <a:blip r:embed="rId1"/>
+          <a:stretch>
+            <a:fillRect/>
+          </a:stretch>
+        </p:blipFill>
+        <p:spPr>
+          <a:xfrm>
+            <a:off x="1569085" y="3161665"/>
+            <a:ext cx="4106545" cy="2427605"/>
+          </a:xfrm>
+          <a:prstGeom prst="rect">
+            <a:avLst/>
+          </a:prstGeom>
+        </p:spPr>
+      </p:pic>
+      <p:pic>
+        <p:nvPicPr>
+          <p:cNvPr id="3" name="Picture 2"/>
+          <p:cNvPicPr>
+            <a:picLocks noChangeAspect="1"/>
+          </p:cNvPicPr>
+          <p:nvPr/>
+        </p:nvPicPr>
+        <p:blipFill>
+          <a:blip r:embed="rId2"/>
+          <a:stretch>
+            <a:fillRect/>
+          </a:stretch>
+        </p:blipFill>
+        <p:spPr>
+          <a:xfrm>
+            <a:off x="5996940" y="3232150"/>
+            <a:ext cx="4102735" cy="2427605"/>
+          </a:xfrm>
+          <a:prstGeom prst="rect">
+            <a:avLst/>
+          </a:prstGeom>
+        </p:spPr>
+      </p:pic>
+      <p:sp>
+        <p:nvSpPr>
+          <p:cNvPr id="2640" name="Google Shape;2640;p31"/>
+          <p:cNvSpPr/>
+          <p:nvPr/>
+        </p:nvSpPr>
+        <p:spPr>
+          <a:xfrm rot="5400000" flipH="1" flipV="1">
+            <a:off x="4957445" y="989965"/>
+            <a:ext cx="306070" cy="4038600"/>
+          </a:xfrm>
+          <a:prstGeom prst="rightBrace">
+            <a:avLst>
+              <a:gd name="adj1" fmla="val 122224"/>
+              <a:gd name="adj2" fmla="val 50000"/>
+            </a:avLst>
+          </a:prstGeom>
+          <a:noFill/>
+          <a:ln w="9525" cap="flat" cmpd="sng">
+            <a:solidFill>
+              <a:schemeClr val="dk1"/>
+            </a:solidFill>
+            <a:prstDash val="solid"/>
+            <a:miter lim="800000"/>
+            <a:headEnd type="none" w="sm" len="sm"/>
+            <a:tailEnd type="none" w="sm" len="sm"/>
+          </a:ln>
+        </p:spPr>
+        <p:txBody>
+          <a:bodyPr spcFirstLastPara="1" wrap="square" lIns="68575" tIns="34275" rIns="68575" bIns="34275" anchor="ctr" anchorCtr="0">
+            <a:noAutofit/>
+          </a:bodyPr>
+          <a:p>
+            <a:pPr marL="0" marR="0" lvl="0" indent="0" algn="ctr" rtl="0">
+              <a:spcBef>
+                <a:spcPts val="0"/>
+              </a:spcBef>
+              <a:spcAft>
+                <a:spcPts val="0"/>
+              </a:spcAft>
+              <a:buNone/>
+            </a:pPr>
+            <a:endParaRPr sz="1400">
+              <a:solidFill>
+                <a:schemeClr val="dk1"/>
+              </a:solidFill>
+              <a:latin typeface="Calibri"/>
+              <a:ea typeface="Calibri"/>
+              <a:cs typeface="Calibri"/>
+              <a:sym typeface="Calibri"/>
+            </a:endParaRPr>
+          </a:p>
+        </p:txBody>
+      </p:sp>
+      <p:sp>
+        <p:nvSpPr>
+          <p:cNvPr id="344" name="Text Box 343"/>
+          <p:cNvSpPr txBox="1"/>
+          <p:nvPr/>
+        </p:nvSpPr>
+        <p:spPr>
+          <a:xfrm>
+            <a:off x="4378325" y="2400935"/>
+            <a:ext cx="2092325" cy="306705"/>
+          </a:xfrm>
+          <a:prstGeom prst="rect">
+            <a:avLst/>
+          </a:prstGeom>
+          <a:noFill/>
+        </p:spPr>
+        <p:txBody>
+          <a:bodyPr wrap="square" rtlCol="0">
+            <a:spAutoFit/>
+          </a:bodyPr>
+          <a:p>
+            <a:r>
+              <a:rPr lang="en-US" sz="1400"/>
+              <a:t>contrastive loss</a:t>
+            </a:r>
+            <a:endParaRPr lang="en-US" sz="1400"/>
           </a:p>
         </p:txBody>
       </p:sp>
@@ -3363,7 +3973,7 @@
               <a:rPr lang="en-US" altLang="zh-CN" sz="3200">
                 <a:sym typeface="+mn-ea"/>
               </a:rPr>
-              <a:t>Pretraining Design ( a possible version )</a:t>
+              <a:t>Pretraining Design </a:t>
             </a:r>
             <a:endParaRPr lang="en-US" sz="3200"/>
           </a:p>
@@ -3379,12 +3989,7 @@
             <p:ph type="sldNum" sz="quarter" idx="12"/>
           </p:nvPr>
         </p:nvSpPr>
-        <p:spPr>
-          <a:xfrm>
-            <a:off x="8610600" y="6356350"/>
-            <a:ext cx="2743200" cy="365125"/>
-          </a:xfrm>
-        </p:spPr>
+        <p:spPr/>
         <p:txBody>
           <a:bodyPr/>
           <a:p>
@@ -3403,8 +4008,8 @@
         </p:nvSpPr>
         <p:spPr>
           <a:xfrm>
-            <a:off x="760730" y="1153795"/>
-            <a:ext cx="10593070" cy="5077460"/>
+            <a:off x="760730" y="1189990"/>
+            <a:ext cx="10593070" cy="4477385"/>
           </a:xfrm>
           <a:prstGeom prst="rect">
             <a:avLst/>
@@ -3424,9 +4029,58 @@
               <a:buChar char="•"/>
             </a:pPr>
             <a:r>
-              <a:rPr lang="en-US"/>
-              <a:t>A similar idea is ConceptNet, which integrate a common-sense Knowledge Graph to pretrained models using retrofitting method through encouraging word embeddings to be close to their original values as well as their neighbors in graph:</a:t>
-            </a:r>
+              <a:rPr lang="en-US" sz="2000" b="1">
+                <a:sym typeface="+mn-ea"/>
+              </a:rPr>
+              <a:t>Contrastive Learning for definition</a:t>
+            </a:r>
+            <a:endParaRPr lang="en-US" sz="2000" b="1">
+              <a:sym typeface="+mn-ea"/>
+            </a:endParaRPr>
+          </a:p>
+          <a:p>
+            <a:pPr indent="0" fontAlgn="auto">
+              <a:lnSpc>
+                <a:spcPct val="150000"/>
+              </a:lnSpc>
+              <a:buFont typeface="Arial" panose="020B0604020202090204" pitchFamily="34" charset="0"/>
+              <a:buNone/>
+            </a:pPr>
+            <a:endParaRPr lang="en-US" sz="2000" b="1">
+              <a:sym typeface="+mn-ea"/>
+            </a:endParaRPr>
+          </a:p>
+          <a:p>
+            <a:pPr indent="0" fontAlgn="auto">
+              <a:lnSpc>
+                <a:spcPct val="150000"/>
+              </a:lnSpc>
+              <a:buFont typeface="Arial" panose="020B0604020202090204" pitchFamily="34" charset="0"/>
+              <a:buNone/>
+            </a:pPr>
+            <a:endParaRPr lang="en-US" b="1">
+              <a:sym typeface="+mn-ea"/>
+            </a:endParaRPr>
+          </a:p>
+          <a:p>
+            <a:pPr marL="342900" indent="-342900" fontAlgn="auto">
+              <a:lnSpc>
+                <a:spcPct val="150000"/>
+              </a:lnSpc>
+              <a:buFont typeface="Wingdings" panose="05000000000000000000" charset="0"/>
+              <a:buChar char=""/>
+            </a:pPr>
+            <a:endParaRPr lang="en-US" sz="2000">
+              <a:sym typeface="+mn-ea"/>
+            </a:endParaRPr>
+          </a:p>
+          <a:p>
+            <a:pPr indent="0" fontAlgn="auto">
+              <a:lnSpc>
+                <a:spcPct val="150000"/>
+              </a:lnSpc>
+              <a:buNone/>
+            </a:pPr>
             <a:endParaRPr lang="en-US"/>
           </a:p>
           <a:p>
@@ -3437,7 +4091,7 @@
               <a:buFont typeface="Arial" panose="020B0604020202090204" pitchFamily="34" charset="0"/>
               <a:buChar char="•"/>
             </a:pPr>
-            <a:endParaRPr lang="en-US"/>
+            <a:endParaRPr lang="en-US" sz="2000"/>
           </a:p>
           <a:p>
             <a:pPr marL="342900" indent="-342900" fontAlgn="auto">
@@ -3447,17 +4101,7 @@
               <a:buFont typeface="Arial" panose="020B0604020202090204" pitchFamily="34" charset="0"/>
               <a:buChar char="•"/>
             </a:pPr>
-            <a:endParaRPr lang="en-US"/>
-          </a:p>
-          <a:p>
-            <a:pPr marL="342900" indent="-342900" fontAlgn="auto">
-              <a:lnSpc>
-                <a:spcPct val="150000"/>
-              </a:lnSpc>
-              <a:buFont typeface="Arial" panose="020B0604020202090204" pitchFamily="34" charset="0"/>
-              <a:buChar char="•"/>
-            </a:pPr>
-            <a:endParaRPr lang="en-US"/>
+            <a:endParaRPr lang="en-US" sz="2000"/>
           </a:p>
           <a:p>
             <a:pPr indent="0" fontAlgn="auto">
@@ -3467,10 +4111,6 @@
               <a:buFont typeface="Arial" panose="020B0604020202090204" pitchFamily="34" charset="0"/>
               <a:buNone/>
             </a:pPr>
-            <a:r>
-              <a:rPr lang="en-US"/>
-              <a:t>     While the motivation is different: pretraining with dicts aims at pretraining efficiency, and we assume the additional info incorporated in dicts can also be fully learned with MLM ( with lower efficiency ). And the computational cost for adding dicts is much smaller so that it can adapted to any pretraining model.</a:t>
-            </a:r>
             <a:endParaRPr lang="en-US"/>
           </a:p>
           <a:p>
@@ -3495,7 +4135,7 @@
       </p:sp>
       <p:pic>
         <p:nvPicPr>
-          <p:cNvPr id="3" name="Picture 2"/>
+          <p:cNvPr id="5" name="Picture 4"/>
           <p:cNvPicPr>
             <a:picLocks noChangeAspect="1"/>
           </p:cNvPicPr>
@@ -3509,38 +4149,97 @@
         </p:blipFill>
         <p:spPr>
           <a:xfrm>
-            <a:off x="4323715" y="4981575"/>
-            <a:ext cx="3176905" cy="1739900"/>
+            <a:off x="3509010" y="2559685"/>
+            <a:ext cx="5096510" cy="3674110"/>
           </a:xfrm>
           <a:prstGeom prst="rect">
             <a:avLst/>
           </a:prstGeom>
         </p:spPr>
       </p:pic>
-      <p:pic>
-        <p:nvPicPr>
-          <p:cNvPr id="5" name="Picture 4"/>
-          <p:cNvPicPr>
-            <a:picLocks noChangeAspect="1"/>
-          </p:cNvPicPr>
+      <p:sp>
+        <p:nvSpPr>
+          <p:cNvPr id="2640" name="Google Shape;2640;p31"/>
+          <p:cNvSpPr/>
           <p:nvPr/>
-        </p:nvPicPr>
-        <p:blipFill>
-          <a:blip r:embed="rId2"/>
-          <a:stretch>
-            <a:fillRect/>
-          </a:stretch>
-        </p:blipFill>
+        </p:nvSpPr>
+        <p:spPr>
+          <a:xfrm rot="5400000" flipH="1" flipV="1">
+            <a:off x="5680710" y="1572260"/>
+            <a:ext cx="201930" cy="1772285"/>
+          </a:xfrm>
+          <a:prstGeom prst="rightBrace">
+            <a:avLst>
+              <a:gd name="adj1" fmla="val 122224"/>
+              <a:gd name="adj2" fmla="val 50000"/>
+            </a:avLst>
+          </a:prstGeom>
+          <a:noFill/>
+          <a:ln w="9525" cap="flat" cmpd="sng">
+            <a:solidFill>
+              <a:schemeClr val="dk1"/>
+            </a:solidFill>
+            <a:prstDash val="solid"/>
+            <a:miter lim="800000"/>
+            <a:headEnd type="none" w="sm" len="sm"/>
+            <a:tailEnd type="none" w="sm" len="sm"/>
+          </a:ln>
+        </p:spPr>
+        <p:txBody>
+          <a:bodyPr spcFirstLastPara="1" wrap="square" lIns="68575" tIns="34275" rIns="68575" bIns="34275" anchor="ctr" anchorCtr="0">
+            <a:noAutofit/>
+          </a:bodyPr>
+          <a:p>
+            <a:pPr marL="0" marR="0" lvl="0" indent="0" algn="ctr" rtl="0">
+              <a:spcBef>
+                <a:spcPts val="0"/>
+              </a:spcBef>
+              <a:spcAft>
+                <a:spcPts val="0"/>
+              </a:spcAft>
+              <a:buNone/>
+            </a:pPr>
+            <a:endParaRPr sz="1400">
+              <a:solidFill>
+                <a:schemeClr val="dk1"/>
+              </a:solidFill>
+              <a:latin typeface="Calibri"/>
+              <a:ea typeface="Calibri"/>
+              <a:cs typeface="Calibri"/>
+              <a:sym typeface="Calibri"/>
+            </a:endParaRPr>
+          </a:p>
+        </p:txBody>
+      </p:sp>
+      <p:sp>
+        <p:nvSpPr>
+          <p:cNvPr id="344" name="Text Box 343"/>
+          <p:cNvSpPr txBox="1"/>
+          <p:nvPr/>
+        </p:nvSpPr>
         <p:spPr>
           <a:xfrm>
-            <a:off x="4373245" y="2559685"/>
-            <a:ext cx="3077845" cy="608965"/>
+            <a:off x="5049520" y="1961515"/>
+            <a:ext cx="2092325" cy="306705"/>
           </a:xfrm>
           <a:prstGeom prst="rect">
             <a:avLst/>
           </a:prstGeom>
-        </p:spPr>
-      </p:pic>
+          <a:noFill/>
+        </p:spPr>
+        <p:txBody>
+          <a:bodyPr wrap="square" rtlCol="0">
+            <a:spAutoFit/>
+          </a:bodyPr>
+          <a:p>
+            <a:r>
+              <a:rPr lang="en-US" sz="1400"/>
+              <a:t>contrastive loss</a:t>
+            </a:r>
+            <a:endParaRPr lang="en-US" sz="1400"/>
+          </a:p>
+        </p:txBody>
+      </p:sp>
     </p:spTree>
   </p:cSld>
   <p:clrMapOvr>
@@ -3579,8 +4278,10 @@
           <a:bodyPr/>
           <a:p>
             <a:r>
-              <a:rPr lang="en-US" sz="3200"/>
-              <a:t>Possible Problems</a:t>
+              <a:rPr lang="en-US" altLang="zh-CN" sz="3200">
+                <a:sym typeface="+mn-ea"/>
+              </a:rPr>
+              <a:t>Benefits</a:t>
             </a:r>
             <a:endParaRPr lang="en-US" sz="3200"/>
           </a:p>
@@ -3616,7 +4317,7 @@
         <p:spPr>
           <a:xfrm>
             <a:off x="760095" y="1153795"/>
-            <a:ext cx="10593070" cy="5446395"/>
+            <a:ext cx="10593070" cy="5908040"/>
           </a:xfrm>
           <a:prstGeom prst="rect">
             <a:avLst/>
@@ -3639,25 +4340,7 @@
               <a:rPr lang="en-US" sz="2000">
                 <a:sym typeface="+mn-ea"/>
               </a:rPr>
-              <a:t>Limited data in dictionaries</a:t>
-            </a:r>
-            <a:endParaRPr lang="en-US" sz="2000">
-              <a:sym typeface="+mn-ea"/>
-            </a:endParaRPr>
-          </a:p>
-          <a:p>
-            <a:pPr indent="0" fontAlgn="auto">
-              <a:lnSpc>
-                <a:spcPct val="150000"/>
-              </a:lnSpc>
-              <a:buFont typeface="Arial" panose="020B0604020202090204" pitchFamily="34" charset="0"/>
-              <a:buNone/>
-            </a:pPr>
-            <a:r>
-              <a:rPr lang="en-US" sz="2000">
-                <a:sym typeface="+mn-ea"/>
-              </a:rPr>
-              <a:t>It can be mitigated by collecting as many dictionaries as possible. On the other side, we assert that using dictionary data could be more efficient, thus we do not require comparable amount of data as Wiki.</a:t>
+              <a:t>With contrastive learning task adding to MLM task, the pretraining process is expected to be accelerated because labeled data, which contains more information for word embedding, could be utilized.</a:t>
             </a:r>
             <a:endParaRPr lang="en-US" sz="2000">
               <a:sym typeface="+mn-ea"/>
@@ -3675,7 +4358,174 @@
               <a:rPr lang="en-US" sz="2000">
                 <a:sym typeface="+mn-ea"/>
               </a:rPr>
-              <a:t>Long sequence modeling</a:t>
+              <a:t>It also benefits from the property of contrastive learning. </a:t>
+            </a:r>
+            <a:r>
+              <a:rPr lang="en-US" altLang="zh-CN" sz="2000">
+                <a:sym typeface="+mn-ea"/>
+              </a:rPr>
+              <a:t>Contrastive learning explicitly encourage alignment between similar pairs and uniformity between different pairs, resulting in better embedding distribution in latent space ( see the success of SimCSE for sentence embedding).</a:t>
+            </a:r>
+            <a:endParaRPr lang="en-US" altLang="zh-CN" sz="2000">
+              <a:sym typeface="+mn-ea"/>
+            </a:endParaRPr>
+          </a:p>
+          <a:p>
+            <a:pPr marL="342900" indent="-342900" fontAlgn="auto">
+              <a:lnSpc>
+                <a:spcPct val="150000"/>
+              </a:lnSpc>
+              <a:buFont typeface="Arial" panose="020B0604020202090204" pitchFamily="34" charset="0"/>
+              <a:buChar char="•"/>
+            </a:pPr>
+            <a:r>
+              <a:rPr lang="en-US" altLang="zh-CN" sz="2000">
+                <a:sym typeface="+mn-ea"/>
+              </a:rPr>
+              <a:t>Finally, it helps the model to sufficiently learn rare words, which are hardly seen in general pretraining corpus. </a:t>
+            </a:r>
+            <a:endParaRPr lang="en-US" sz="2000">
+              <a:sym typeface="+mn-ea"/>
+            </a:endParaRPr>
+          </a:p>
+          <a:p>
+            <a:pPr marL="342900" indent="-342900" fontAlgn="auto">
+              <a:lnSpc>
+                <a:spcPct val="150000"/>
+              </a:lnSpc>
+              <a:buFont typeface="Arial" panose="020B0604020202090204" pitchFamily="34" charset="0"/>
+              <a:buChar char="•"/>
+            </a:pPr>
+            <a:endParaRPr lang="en-US"/>
+          </a:p>
+          <a:p>
+            <a:pPr indent="0" fontAlgn="auto">
+              <a:lnSpc>
+                <a:spcPct val="150000"/>
+              </a:lnSpc>
+              <a:buNone/>
+            </a:pPr>
+            <a:endParaRPr lang="en-US"/>
+          </a:p>
+          <a:p>
+            <a:pPr indent="0" fontAlgn="auto">
+              <a:lnSpc>
+                <a:spcPct val="150000"/>
+              </a:lnSpc>
+              <a:buNone/>
+            </a:pPr>
+            <a:endParaRPr lang="en-US"/>
+          </a:p>
+          <a:p>
+            <a:pPr indent="0" fontAlgn="auto">
+              <a:lnSpc>
+                <a:spcPct val="150000"/>
+              </a:lnSpc>
+              <a:buNone/>
+            </a:pPr>
+            <a:endParaRPr lang="en-US"/>
+          </a:p>
+        </p:txBody>
+      </p:sp>
+    </p:spTree>
+  </p:cSld>
+  <p:clrMapOvr>
+    <a:masterClrMapping/>
+  </p:clrMapOvr>
+</p:sld>
+</file>
+
+<file path=ppt/slides/slide7.xml><?xml version="1.0" encoding="utf-8"?>
+<p:sld xmlns:a="http://schemas.openxmlformats.org/drawingml/2006/main" xmlns:r="http://schemas.openxmlformats.org/officeDocument/2006/relationships" xmlns:p="http://schemas.openxmlformats.org/presentationml/2006/main">
+  <p:cSld>
+    <p:spTree>
+      <p:nvGrpSpPr>
+        <p:cNvPr id="1" name=""/>
+        <p:cNvGrpSpPr/>
+        <p:nvPr/>
+      </p:nvGrpSpPr>
+      <p:grpSpPr/>
+      <p:sp>
+        <p:nvSpPr>
+          <p:cNvPr id="2" name="Title 1"/>
+          <p:cNvSpPr>
+            <a:spLocks noGrp="1"/>
+          </p:cNvSpPr>
+          <p:nvPr>
+            <p:ph type="title"/>
+          </p:nvPr>
+        </p:nvSpPr>
+        <p:spPr>
+          <a:xfrm>
+            <a:off x="838200" y="221615"/>
+            <a:ext cx="10515600" cy="1325563"/>
+          </a:xfrm>
+        </p:spPr>
+        <p:txBody>
+          <a:bodyPr/>
+          <a:p>
+            <a:r>
+              <a:rPr lang="en-US" sz="3200"/>
+              <a:t>Related Work</a:t>
+            </a:r>
+            <a:endParaRPr lang="en-US" sz="3200"/>
+          </a:p>
+        </p:txBody>
+      </p:sp>
+      <p:sp>
+        <p:nvSpPr>
+          <p:cNvPr id="4" name="Slide Number Placeholder 3"/>
+          <p:cNvSpPr>
+            <a:spLocks noGrp="1"/>
+          </p:cNvSpPr>
+          <p:nvPr>
+            <p:ph type="sldNum" sz="quarter" idx="12"/>
+          </p:nvPr>
+        </p:nvSpPr>
+        <p:spPr/>
+        <p:txBody>
+          <a:bodyPr/>
+          <a:p>
+            <a:fld id="{7D9BB5D0-35E4-459D-AEF3-FE4D7C45CC19}" type="slidenum">
+              <a:rPr lang="zh-CN" altLang="en-US" smtClean="0"/>
+            </a:fld>
+            <a:endParaRPr lang="zh-CN" altLang="en-US"/>
+          </a:p>
+        </p:txBody>
+      </p:sp>
+      <p:sp>
+        <p:nvSpPr>
+          <p:cNvPr id="7" name="Text Box 6"/>
+          <p:cNvSpPr txBox="1"/>
+          <p:nvPr/>
+        </p:nvSpPr>
+        <p:spPr>
+          <a:xfrm>
+            <a:off x="760095" y="1153795"/>
+            <a:ext cx="10593070" cy="2676525"/>
+          </a:xfrm>
+          <a:prstGeom prst="rect">
+            <a:avLst/>
+          </a:prstGeom>
+          <a:noFill/>
+        </p:spPr>
+        <p:txBody>
+          <a:bodyPr wrap="square" rtlCol="0">
+            <a:spAutoFit/>
+          </a:bodyPr>
+          <a:p>
+            <a:pPr marL="342900" indent="-342900" fontAlgn="auto">
+              <a:lnSpc>
+                <a:spcPct val="150000"/>
+              </a:lnSpc>
+              <a:buFont typeface="Arial" panose="020B0604020202090204" pitchFamily="34" charset="0"/>
+              <a:buChar char="•"/>
+            </a:pPr>
+            <a:r>
+              <a:rPr lang="en-US" sz="2000">
+                <a:sym typeface="+mn-ea"/>
+              </a:rPr>
+              <a:t>A related work is Dict-BERT, which utilizes word Definition for solving rare word problem.</a:t>
             </a:r>
             <a:endParaRPr lang="en-US" sz="2000">
               <a:sym typeface="+mn-ea"/>
@@ -3693,13 +4543,7 @@
               <a:rPr lang="en-US" sz="2000">
                 <a:sym typeface="+mn-ea"/>
               </a:rPr>
-              <a:t>This can be a real bottleneck for pretraining on dictionaries, since example sentences are usually short. A possible solution is to</a:t>
-            </a:r>
-            <a:r>
-              <a:rPr lang="en-US" sz="2000" b="1">
-                <a:sym typeface="+mn-ea"/>
-              </a:rPr>
-              <a:t> combine dictionaries as weakly supervised data and Wiki as unlabelled data to pretrain together.</a:t>
+              <a:t>It directly pads defition to raw input sentence while pretraining.</a:t>
             </a:r>
             <a:endParaRPr lang="en-US" sz="2000">
               <a:sym typeface="+mn-ea"/>
@@ -3743,6 +4587,30 @@
           </a:p>
         </p:txBody>
       </p:sp>
+      <p:pic>
+        <p:nvPicPr>
+          <p:cNvPr id="3" name="Picture 2"/>
+          <p:cNvPicPr>
+            <a:picLocks noChangeAspect="1"/>
+          </p:cNvPicPr>
+          <p:nvPr/>
+        </p:nvPicPr>
+        <p:blipFill>
+          <a:blip r:embed="rId1"/>
+          <a:stretch>
+            <a:fillRect/>
+          </a:stretch>
+        </p:blipFill>
+        <p:spPr>
+          <a:xfrm>
+            <a:off x="2780030" y="2759710"/>
+            <a:ext cx="6080760" cy="2676525"/>
+          </a:xfrm>
+          <a:prstGeom prst="rect">
+            <a:avLst/>
+          </a:prstGeom>
+        </p:spPr>
+      </p:pic>
     </p:spTree>
   </p:cSld>
   <p:clrMapOvr>
@@ -4008,4 +4876,263 @@
     </a:ext>
   </a:extLst>
 </a:theme>
+</file>
+
+<file path=ppt/theme/theme2.xml><?xml version="1.0" encoding="utf-8"?>
+<a:theme xmlns:a="http://schemas.openxmlformats.org/drawingml/2006/main" name="Office Theme">
+  <a:themeElements>
+    <a:clrScheme name="Office">
+      <a:dk1>
+        <a:sysClr val="windowText" lastClr="000000"/>
+      </a:dk1>
+      <a:lt1>
+        <a:sysClr val="window" lastClr="FFFFFF"/>
+      </a:lt1>
+      <a:dk2>
+        <a:srgbClr val="44546A"/>
+      </a:dk2>
+      <a:lt2>
+        <a:srgbClr val="E7E6E6"/>
+      </a:lt2>
+      <a:accent1>
+        <a:srgbClr val="5B9BD5"/>
+      </a:accent1>
+      <a:accent2>
+        <a:srgbClr val="ED7D31"/>
+      </a:accent2>
+      <a:accent3>
+        <a:srgbClr val="A5A5A5"/>
+      </a:accent3>
+      <a:accent4>
+        <a:srgbClr val="FFC000"/>
+      </a:accent4>
+      <a:accent5>
+        <a:srgbClr val="4472C4"/>
+      </a:accent5>
+      <a:accent6>
+        <a:srgbClr val="70AD47"/>
+      </a:accent6>
+      <a:hlink>
+        <a:srgbClr val="0563C1"/>
+      </a:hlink>
+      <a:folHlink>
+        <a:srgbClr val="954F72"/>
+      </a:folHlink>
+    </a:clrScheme>
+    <a:fontScheme name="Office">
+      <a:majorFont>
+        <a:latin typeface="Calibri Light"/>
+        <a:ea typeface=""/>
+        <a:cs typeface=""/>
+        <a:font script="Jpan" typeface="ＭＳ Ｐゴシック"/>
+        <a:font script="Hang" typeface="맑은 고딕"/>
+        <a:font script="Hans" typeface="宋体"/>
+        <a:font script="Hant" typeface="新細明體"/>
+        <a:font script="Arab" typeface="Times New Roman"/>
+        <a:font script="Hebr" typeface="Times New Roman"/>
+        <a:font script="Thai" typeface="Angsana New"/>
+        <a:font script="Ethi" typeface="Nyala"/>
+        <a:font script="Beng" typeface="Vrinda"/>
+        <a:font script="Gujr" typeface="Shruti"/>
+        <a:font script="Khmr" typeface="MoolBoran"/>
+        <a:font script="Knda" typeface="Tunga"/>
+        <a:font script="Guru" typeface="Raavi"/>
+        <a:font script="Cans" typeface="Euphemia"/>
+        <a:font script="Cher" typeface="Plantagenet Cherokee"/>
+        <a:font script="Yiii" typeface="Microsoft Yi Baiti"/>
+        <a:font script="Tibt" typeface="Microsoft Himalaya"/>
+        <a:font script="Thaa" typeface="MV Boli"/>
+        <a:font script="Deva" typeface="Mangal"/>
+        <a:font script="Telu" typeface="Gautami"/>
+        <a:font script="Taml" typeface="Latha"/>
+        <a:font script="Syrc" typeface="Estrangelo Edessa"/>
+        <a:font script="Orya" typeface="Kalinga"/>
+        <a:font script="Mlym" typeface="Kartika"/>
+        <a:font script="Laoo" typeface="DokChampa"/>
+        <a:font script="Sinh" typeface="Iskoola Pota"/>
+        <a:font script="Mong" typeface="Mongolian Baiti"/>
+        <a:font script="Viet" typeface="Times New Roman"/>
+        <a:font script="Uigh" typeface="Microsoft Uighur"/>
+        <a:font script="Geor" typeface="Sylfaen"/>
+      </a:majorFont>
+      <a:minorFont>
+        <a:latin typeface="Calibri"/>
+        <a:ea typeface=""/>
+        <a:cs typeface=""/>
+        <a:font script="Jpan" typeface="ＭＳ Ｐゴシック"/>
+        <a:font script="Hang" typeface="맑은 고딕"/>
+        <a:font script="Hans" typeface="宋体"/>
+        <a:font script="Hant" typeface="新細明體"/>
+        <a:font script="Arab" typeface="Arial"/>
+        <a:font script="Hebr" typeface="Arial"/>
+        <a:font script="Thai" typeface="Cordia New"/>
+        <a:font script="Ethi" typeface="Nyala"/>
+        <a:font script="Beng" typeface="Vrinda"/>
+        <a:font script="Gujr" typeface="Shruti"/>
+        <a:font script="Khmr" typeface="DaunPenh"/>
+        <a:font script="Knda" typeface="Tunga"/>
+        <a:font script="Guru" typeface="Raavi"/>
+        <a:font script="Cans" typeface="Euphemia"/>
+        <a:font script="Cher" typeface="Plantagenet Cherokee"/>
+        <a:font script="Yiii" typeface="Microsoft Yi Baiti"/>
+        <a:font script="Tibt" typeface="Microsoft Himalaya"/>
+        <a:font script="Thaa" typeface="MV Boli"/>
+        <a:font script="Deva" typeface="Mangal"/>
+        <a:font script="Telu" typeface="Gautami"/>
+        <a:font script="Taml" typeface="Latha"/>
+        <a:font script="Syrc" typeface="Estrangelo Edessa"/>
+        <a:font script="Orya" typeface="Kalinga"/>
+        <a:font script="Mlym" typeface="Kartika"/>
+        <a:font script="Laoo" typeface="DokChampa"/>
+        <a:font script="Sinh" typeface="Iskoola Pota"/>
+        <a:font script="Mong" typeface="Mongolian Baiti"/>
+        <a:font script="Viet" typeface="Arial"/>
+        <a:font script="Uigh" typeface="Microsoft Uighur"/>
+        <a:font script="Geor" typeface="Sylfaen"/>
+      </a:minorFont>
+    </a:fontScheme>
+    <a:fmtScheme name="Office">
+      <a:fillStyleLst>
+        <a:solidFill>
+          <a:schemeClr val="phClr"/>
+        </a:solidFill>
+        <a:gradFill rotWithShape="1">
+          <a:gsLst>
+            <a:gs pos="0">
+              <a:schemeClr val="phClr">
+                <a:lumMod val="110000"/>
+                <a:satMod val="105000"/>
+                <a:tint val="67000"/>
+              </a:schemeClr>
+            </a:gs>
+            <a:gs pos="50000">
+              <a:schemeClr val="phClr">
+                <a:lumMod val="105000"/>
+                <a:satMod val="103000"/>
+                <a:tint val="73000"/>
+              </a:schemeClr>
+            </a:gs>
+            <a:gs pos="100000">
+              <a:schemeClr val="phClr">
+                <a:lumMod val="105000"/>
+                <a:satMod val="109000"/>
+                <a:tint val="81000"/>
+              </a:schemeClr>
+            </a:gs>
+          </a:gsLst>
+          <a:lin ang="5400000" scaled="0"/>
+        </a:gradFill>
+        <a:gradFill rotWithShape="1">
+          <a:gsLst>
+            <a:gs pos="0">
+              <a:schemeClr val="phClr">
+                <a:satMod val="103000"/>
+                <a:lumMod val="102000"/>
+                <a:tint val="94000"/>
+              </a:schemeClr>
+            </a:gs>
+            <a:gs pos="50000">
+              <a:schemeClr val="phClr">
+                <a:satMod val="110000"/>
+                <a:lumMod val="100000"/>
+                <a:shade val="100000"/>
+              </a:schemeClr>
+            </a:gs>
+            <a:gs pos="100000">
+              <a:schemeClr val="phClr">
+                <a:lumMod val="99000"/>
+                <a:satMod val="120000"/>
+                <a:shade val="78000"/>
+              </a:schemeClr>
+            </a:gs>
+          </a:gsLst>
+          <a:lin ang="5400000" scaled="0"/>
+        </a:gradFill>
+      </a:fillStyleLst>
+      <a:lnStyleLst>
+        <a:ln w="6350" cap="flat" cmpd="sng" algn="ctr">
+          <a:solidFill>
+            <a:schemeClr val="phClr"/>
+          </a:solidFill>
+          <a:prstDash val="solid"/>
+          <a:miter lim="800000"/>
+        </a:ln>
+        <a:ln w="12700" cap="flat" cmpd="sng" algn="ctr">
+          <a:solidFill>
+            <a:schemeClr val="phClr"/>
+          </a:solidFill>
+          <a:prstDash val="solid"/>
+          <a:miter lim="800000"/>
+        </a:ln>
+        <a:ln w="19050" cap="flat" cmpd="sng" algn="ctr">
+          <a:solidFill>
+            <a:schemeClr val="phClr"/>
+          </a:solidFill>
+          <a:prstDash val="solid"/>
+          <a:miter lim="800000"/>
+        </a:ln>
+      </a:lnStyleLst>
+      <a:effectStyleLst>
+        <a:effectStyle>
+          <a:effectLst/>
+        </a:effectStyle>
+        <a:effectStyle>
+          <a:effectLst/>
+        </a:effectStyle>
+        <a:effectStyle>
+          <a:effectLst>
+            <a:outerShdw blurRad="57150" dist="19050" dir="5400000" algn="ctr" rotWithShape="0">
+              <a:srgbClr val="000000">
+                <a:alpha val="63000"/>
+              </a:srgbClr>
+            </a:outerShdw>
+          </a:effectLst>
+        </a:effectStyle>
+      </a:effectStyleLst>
+      <a:bgFillStyleLst>
+        <a:solidFill>
+          <a:schemeClr val="phClr"/>
+        </a:solidFill>
+        <a:solidFill>
+          <a:schemeClr val="phClr">
+            <a:tint val="95000"/>
+            <a:satMod val="170000"/>
+          </a:schemeClr>
+        </a:solidFill>
+        <a:gradFill rotWithShape="1">
+          <a:gsLst>
+            <a:gs pos="0">
+              <a:schemeClr val="phClr">
+                <a:tint val="93000"/>
+                <a:satMod val="150000"/>
+                <a:shade val="98000"/>
+                <a:lumMod val="102000"/>
+              </a:schemeClr>
+            </a:gs>
+            <a:gs pos="50000">
+              <a:schemeClr val="phClr">
+                <a:tint val="98000"/>
+                <a:satMod val="130000"/>
+                <a:shade val="90000"/>
+                <a:lumMod val="103000"/>
+              </a:schemeClr>
+            </a:gs>
+            <a:gs pos="100000">
+              <a:schemeClr val="phClr">
+                <a:shade val="63000"/>
+                <a:satMod val="120000"/>
+              </a:schemeClr>
+            </a:gs>
+          </a:gsLst>
+          <a:lin ang="5400000" scaled="0"/>
+        </a:gradFill>
+      </a:bgFillStyleLst>
+    </a:fmtScheme>
+  </a:themeElements>
+  <a:extLst>
+    <a:ext uri="{05A4C25C-085E-4340-85A3-A5531E510DB2}">
+      <thm15:themeFamily xmlns:thm15="http://schemas.microsoft.com/office/thememl/2012/main" name="Office Theme" id="{62F939B6-93AF-4DB8-9C6B-D6C7DFDC589F}" vid="{4A3C46E8-61CC-4603-A589-7422A47A8E4A}"/>
+    </a:ext>
+  </a:extLst>
+</a:theme>
 </file>